--- a/tex/tsis/Figures/scan.pptx
+++ b/tex/tsis/Figures/scan.pptx
@@ -104,6 +104,11 @@
       </a:defRPr>
     </a:lvl9pPr>
   </p:defaultTextStyle>
+  <p:extLst>
+    <p:ext uri="{EFAFB233-063F-42B5-8137-9DF3F51BA10A}">
+      <p15:sldGuideLst xmlns:p15="http://schemas.microsoft.com/office/powerpoint/2012/main"/>
+    </p:ext>
+  </p:extLst>
 </p:presentation>
 </file>
 
@@ -254,7 +259,7 @@
           <a:p>
             <a:fld id="{9023D88F-E1B6-B141-86BF-A50BA304BBBF}" type="datetimeFigureOut">
               <a:rPr lang="en-US" smtClean="0"/>
-              <a:t>5/13/18</a:t>
+              <a:t>5/16/18</a:t>
             </a:fld>
             <a:endParaRPr lang="en-US"/>
           </a:p>
@@ -452,7 +457,7 @@
           <a:p>
             <a:fld id="{9023D88F-E1B6-B141-86BF-A50BA304BBBF}" type="datetimeFigureOut">
               <a:rPr lang="en-US" smtClean="0"/>
-              <a:t>5/13/18</a:t>
+              <a:t>5/16/18</a:t>
             </a:fld>
             <a:endParaRPr lang="en-US"/>
           </a:p>
@@ -660,7 +665,7 @@
           <a:p>
             <a:fld id="{9023D88F-E1B6-B141-86BF-A50BA304BBBF}" type="datetimeFigureOut">
               <a:rPr lang="en-US" smtClean="0"/>
-              <a:t>5/13/18</a:t>
+              <a:t>5/16/18</a:t>
             </a:fld>
             <a:endParaRPr lang="en-US"/>
           </a:p>
@@ -858,7 +863,7 @@
           <a:p>
             <a:fld id="{9023D88F-E1B6-B141-86BF-A50BA304BBBF}" type="datetimeFigureOut">
               <a:rPr lang="en-US" smtClean="0"/>
-              <a:t>5/13/18</a:t>
+              <a:t>5/16/18</a:t>
             </a:fld>
             <a:endParaRPr lang="en-US"/>
           </a:p>
@@ -1133,7 +1138,7 @@
           <a:p>
             <a:fld id="{9023D88F-E1B6-B141-86BF-A50BA304BBBF}" type="datetimeFigureOut">
               <a:rPr lang="en-US" smtClean="0"/>
-              <a:t>5/13/18</a:t>
+              <a:t>5/16/18</a:t>
             </a:fld>
             <a:endParaRPr lang="en-US"/>
           </a:p>
@@ -1398,7 +1403,7 @@
           <a:p>
             <a:fld id="{9023D88F-E1B6-B141-86BF-A50BA304BBBF}" type="datetimeFigureOut">
               <a:rPr lang="en-US" smtClean="0"/>
-              <a:t>5/13/18</a:t>
+              <a:t>5/16/18</a:t>
             </a:fld>
             <a:endParaRPr lang="en-US"/>
           </a:p>
@@ -1810,7 +1815,7 @@
           <a:p>
             <a:fld id="{9023D88F-E1B6-B141-86BF-A50BA304BBBF}" type="datetimeFigureOut">
               <a:rPr lang="en-US" smtClean="0"/>
-              <a:t>5/13/18</a:t>
+              <a:t>5/16/18</a:t>
             </a:fld>
             <a:endParaRPr lang="en-US"/>
           </a:p>
@@ -1951,7 +1956,7 @@
           <a:p>
             <a:fld id="{9023D88F-E1B6-B141-86BF-A50BA304BBBF}" type="datetimeFigureOut">
               <a:rPr lang="en-US" smtClean="0"/>
-              <a:t>5/13/18</a:t>
+              <a:t>5/16/18</a:t>
             </a:fld>
             <a:endParaRPr lang="en-US"/>
           </a:p>
@@ -2064,7 +2069,7 @@
           <a:p>
             <a:fld id="{9023D88F-E1B6-B141-86BF-A50BA304BBBF}" type="datetimeFigureOut">
               <a:rPr lang="en-US" smtClean="0"/>
-              <a:t>5/13/18</a:t>
+              <a:t>5/16/18</a:t>
             </a:fld>
             <a:endParaRPr lang="en-US"/>
           </a:p>
@@ -2375,7 +2380,7 @@
           <a:p>
             <a:fld id="{9023D88F-E1B6-B141-86BF-A50BA304BBBF}" type="datetimeFigureOut">
               <a:rPr lang="en-US" smtClean="0"/>
-              <a:t>5/13/18</a:t>
+              <a:t>5/16/18</a:t>
             </a:fld>
             <a:endParaRPr lang="en-US"/>
           </a:p>
@@ -2663,7 +2668,7 @@
           <a:p>
             <a:fld id="{9023D88F-E1B6-B141-86BF-A50BA304BBBF}" type="datetimeFigureOut">
               <a:rPr lang="en-US" smtClean="0"/>
-              <a:t>5/13/18</a:t>
+              <a:t>5/16/18</a:t>
             </a:fld>
             <a:endParaRPr lang="en-US"/>
           </a:p>
@@ -2904,7 +2909,7 @@
           <a:p>
             <a:fld id="{9023D88F-E1B6-B141-86BF-A50BA304BBBF}" type="datetimeFigureOut">
               <a:rPr lang="en-US" smtClean="0"/>
-              <a:t>5/13/18</a:t>
+              <a:t>5/16/18</a:t>
             </a:fld>
             <a:endParaRPr lang="en-US"/>
           </a:p>
@@ -6477,36 +6482,6 @@
           </a:graphicData>
         </a:graphic>
       </p:graphicFrame>
-      <p:pic>
-        <p:nvPicPr>
-          <p:cNvPr id="6" name="Picture 5">
-            <a:extLst>
-              <a:ext uri="{FF2B5EF4-FFF2-40B4-BE49-F238E27FC236}">
-                <a16:creationId xmlns:a16="http://schemas.microsoft.com/office/drawing/2014/main" id="{533083F4-1D3B-9C4E-85D8-FBE344E14C09}"/>
-              </a:ext>
-            </a:extLst>
-          </p:cNvPr>
-          <p:cNvPicPr>
-            <a:picLocks noChangeAspect="1"/>
-          </p:cNvPicPr>
-          <p:nvPr/>
-        </p:nvPicPr>
-        <p:blipFill>
-          <a:blip r:embed="rId2"/>
-          <a:stretch>
-            <a:fillRect/>
-          </a:stretch>
-        </p:blipFill>
-        <p:spPr>
-          <a:xfrm>
-            <a:off x="5120638" y="2214824"/>
-            <a:ext cx="454165" cy="652863"/>
-          </a:xfrm>
-          <a:prstGeom prst="rect">
-            <a:avLst/>
-          </a:prstGeom>
-        </p:spPr>
-      </p:pic>
       <p:sp>
         <p:nvSpPr>
           <p:cNvPr id="7" name="Left Brace 6">
@@ -6610,7 +6585,7 @@
         <p:spPr>
           <a:xfrm>
             <a:off x="766349" y="2699686"/>
-            <a:ext cx="1750992" cy="954107"/>
+            <a:ext cx="1741567" cy="954107"/>
           </a:xfrm>
           <a:prstGeom prst="rect">
             <a:avLst/>
@@ -6631,7 +6606,7 @@
           <a:p>
             <a:r>
               <a:rPr lang="en-US" sz="2800" dirty="0"/>
-              <a:t>y-direction</a:t>
+              <a:t>x-direction</a:t>
             </a:r>
             <a:endParaRPr lang="en-US" sz="2000" dirty="0"/>
           </a:p>
@@ -6652,7 +6627,7 @@
         <p:spPr>
           <a:xfrm>
             <a:off x="4979959" y="6031383"/>
-            <a:ext cx="1741567" cy="954107"/>
+            <a:ext cx="1750992" cy="954107"/>
           </a:xfrm>
           <a:prstGeom prst="rect">
             <a:avLst/>
@@ -6673,7 +6648,11 @@
           <a:p>
             <a:r>
               <a:rPr lang="en-US" sz="2800" dirty="0"/>
-              <a:t>x-direction</a:t>
+              <a:t>y</a:t>
+            </a:r>
+            <a:r>
+              <a:rPr lang="en-US" sz="2800"/>
+              <a:t>-direction</a:t>
             </a:r>
             <a:endParaRPr lang="en-US" sz="2000" dirty="0"/>
           </a:p>
@@ -6759,6 +6738,52 @@
           </a:fontRef>
         </p:style>
       </p:cxnSp>
+      <p:sp>
+        <p:nvSpPr>
+          <p:cNvPr id="2" name="Oval 1">
+            <a:extLst>
+              <a:ext uri="{FF2B5EF4-FFF2-40B4-BE49-F238E27FC236}">
+                <a16:creationId xmlns:a16="http://schemas.microsoft.com/office/drawing/2014/main" id="{1E492A9E-CF47-9E4C-A920-CC3E739793A3}"/>
+              </a:ext>
+            </a:extLst>
+          </p:cNvPr>
+          <p:cNvSpPr/>
+          <p:nvPr/>
+        </p:nvSpPr>
+        <p:spPr>
+          <a:xfrm>
+            <a:off x="5019416" y="2249448"/>
+            <a:ext cx="580889" cy="583613"/>
+          </a:xfrm>
+          <a:prstGeom prst="ellipse">
+            <a:avLst/>
+          </a:prstGeom>
+        </p:spPr>
+        <p:style>
+          <a:lnRef idx="2">
+            <a:schemeClr val="accent1">
+              <a:shade val="50000"/>
+            </a:schemeClr>
+          </a:lnRef>
+          <a:fillRef idx="1">
+            <a:schemeClr val="accent1"/>
+          </a:fillRef>
+          <a:effectRef idx="0">
+            <a:schemeClr val="accent1"/>
+          </a:effectRef>
+          <a:fontRef idx="minor">
+            <a:schemeClr val="lt1"/>
+          </a:fontRef>
+        </p:style>
+        <p:txBody>
+          <a:bodyPr rtlCol="0" anchor="ctr"/>
+          <a:lstStyle/>
+          <a:p>
+            <a:pPr algn="ctr"/>
+            <a:endParaRPr lang="en-US"/>
+          </a:p>
+        </p:txBody>
+      </p:sp>
     </p:spTree>
     <p:extLst>
       <p:ext uri="{BB962C8B-B14F-4D97-AF65-F5344CB8AC3E}">
